--- a/study3/presentation_for_paper/study3_result_H_4_1.pptx
+++ b/study3/presentation_for_paper/study3_result_H_4_1.pptx
@@ -116,7 +116,7 @@
 <file path=ppt/revisionInfo.xml><?xml version="1.0" encoding="utf-8"?>
 <p1510:revInfo xmlns:a="http://schemas.openxmlformats.org/drawingml/2006/main" xmlns:r="http://schemas.openxmlformats.org/officeDocument/2006/relationships" xmlns:p1510="http://schemas.microsoft.com/office/powerpoint/2015/10/main">
   <p1510:revLst>
-    <p1510:client id="{F793B739-7A6E-443F-8AE5-8ED78DA3884E}" v="3" dt="2024-08-17T07:26:21.597"/>
+    <p1510:client id="{F793B739-7A6E-443F-8AE5-8ED78DA3884E}" v="15" dt="2024-08-20T01:27:49.711"/>
   </p1510:revLst>
 </p1510:revInfo>
 </file>
@@ -126,22 +126,150 @@
   <pc:docChgLst>
     <pc:chgData name="Ryo Suhara" userId="2d319992da703ee6" providerId="LiveId" clId="{F793B739-7A6E-443F-8AE5-8ED78DA3884E}"/>
     <pc:docChg chg="custSel addSld modSld">
-      <pc:chgData name="Ryo Suhara" userId="2d319992da703ee6" providerId="LiveId" clId="{F793B739-7A6E-443F-8AE5-8ED78DA3884E}" dt="2024-08-17T07:26:24.307" v="46" actId="1076"/>
+      <pc:chgData name="Ryo Suhara" userId="2d319992da703ee6" providerId="LiveId" clId="{F793B739-7A6E-443F-8AE5-8ED78DA3884E}" dt="2024-08-20T01:27:56.646" v="465" actId="1035"/>
       <pc:docMkLst>
         <pc:docMk/>
       </pc:docMkLst>
       <pc:sldChg chg="addSp delSp modSp mod">
-        <pc:chgData name="Ryo Suhara" userId="2d319992da703ee6" providerId="LiveId" clId="{F793B739-7A6E-443F-8AE5-8ED78DA3884E}" dt="2024-08-17T07:21:03.043" v="7" actId="21"/>
+        <pc:chgData name="Ryo Suhara" userId="2d319992da703ee6" providerId="LiveId" clId="{F793B739-7A6E-443F-8AE5-8ED78DA3884E}" dt="2024-08-20T01:27:56.646" v="465" actId="1035"/>
         <pc:sldMkLst>
           <pc:docMk/>
           <pc:sldMk cId="3653377877" sldId="256"/>
         </pc:sldMkLst>
+        <pc:spChg chg="add mod">
+          <ac:chgData name="Ryo Suhara" userId="2d319992da703ee6" providerId="LiveId" clId="{F793B739-7A6E-443F-8AE5-8ED78DA3884E}" dt="2024-08-20T01:27:07.656" v="378" actId="1036"/>
+          <ac:spMkLst>
+            <pc:docMk/>
+            <pc:sldMk cId="3653377877" sldId="256"/>
+            <ac:spMk id="2" creationId="{669318C1-3390-880E-213E-F8418253F5B1}"/>
+          </ac:spMkLst>
+        </pc:spChg>
+        <pc:spChg chg="add mod">
+          <ac:chgData name="Ryo Suhara" userId="2d319992da703ee6" providerId="LiveId" clId="{F793B739-7A6E-443F-8AE5-8ED78DA3884E}" dt="2024-08-20T01:27:07.656" v="378" actId="1036"/>
+          <ac:spMkLst>
+            <pc:docMk/>
+            <pc:sldMk cId="3653377877" sldId="256"/>
+            <ac:spMk id="3" creationId="{8CD5DADE-9D65-E3CE-72D0-7B9E748C65FC}"/>
+          </ac:spMkLst>
+        </pc:spChg>
+        <pc:spChg chg="add mod">
+          <ac:chgData name="Ryo Suhara" userId="2d319992da703ee6" providerId="LiveId" clId="{F793B739-7A6E-443F-8AE5-8ED78DA3884E}" dt="2024-08-20T01:27:07.656" v="378" actId="1036"/>
+          <ac:spMkLst>
+            <pc:docMk/>
+            <pc:sldMk cId="3653377877" sldId="256"/>
+            <ac:spMk id="4" creationId="{4F7A4C22-1CC9-AB75-AC2F-5D82583339FF}"/>
+          </ac:spMkLst>
+        </pc:spChg>
+        <pc:spChg chg="add mod">
+          <ac:chgData name="Ryo Suhara" userId="2d319992da703ee6" providerId="LiveId" clId="{F793B739-7A6E-443F-8AE5-8ED78DA3884E}" dt="2024-08-20T01:27:07.656" v="378" actId="1036"/>
+          <ac:spMkLst>
+            <pc:docMk/>
+            <pc:sldMk cId="3653377877" sldId="256"/>
+            <ac:spMk id="5" creationId="{E1A8B666-8D1E-B9EC-2EB8-EA2F58142AB7}"/>
+          </ac:spMkLst>
+        </pc:spChg>
+        <pc:spChg chg="add mod">
+          <ac:chgData name="Ryo Suhara" userId="2d319992da703ee6" providerId="LiveId" clId="{F793B739-7A6E-443F-8AE5-8ED78DA3884E}" dt="2024-08-20T01:25:22.186" v="297" actId="1037"/>
+          <ac:spMkLst>
+            <pc:docMk/>
+            <pc:sldMk cId="3653377877" sldId="256"/>
+            <ac:spMk id="6" creationId="{1C6E8959-81D6-494D-75DE-F78FA73014ED}"/>
+          </ac:spMkLst>
+        </pc:spChg>
+        <pc:spChg chg="add mod">
+          <ac:chgData name="Ryo Suhara" userId="2d319992da703ee6" providerId="LiveId" clId="{F793B739-7A6E-443F-8AE5-8ED78DA3884E}" dt="2024-08-20T01:25:33.686" v="300" actId="1076"/>
+          <ac:spMkLst>
+            <pc:docMk/>
+            <pc:sldMk cId="3653377877" sldId="256"/>
+            <ac:spMk id="7" creationId="{C2FD741E-3519-BE72-7434-8B43A571F7FC}"/>
+          </ac:spMkLst>
+        </pc:spChg>
+        <pc:spChg chg="add mod">
+          <ac:chgData name="Ryo Suhara" userId="2d319992da703ee6" providerId="LiveId" clId="{F793B739-7A6E-443F-8AE5-8ED78DA3884E}" dt="2024-08-20T01:25:47.208" v="312" actId="1036"/>
+          <ac:spMkLst>
+            <pc:docMk/>
+            <pc:sldMk cId="3653377877" sldId="256"/>
+            <ac:spMk id="8" creationId="{69491CC6-327E-DC8F-D886-2F7E8EE11868}"/>
+          </ac:spMkLst>
+        </pc:spChg>
+        <pc:spChg chg="add mod">
+          <ac:chgData name="Ryo Suhara" userId="2d319992da703ee6" providerId="LiveId" clId="{F793B739-7A6E-443F-8AE5-8ED78DA3884E}" dt="2024-08-20T01:25:54.073" v="324" actId="1035"/>
+          <ac:spMkLst>
+            <pc:docMk/>
+            <pc:sldMk cId="3653377877" sldId="256"/>
+            <ac:spMk id="9" creationId="{FC339DBA-96F1-3241-8A85-F374F7AF2C66}"/>
+          </ac:spMkLst>
+        </pc:spChg>
+        <pc:spChg chg="add mod">
+          <ac:chgData name="Ryo Suhara" userId="2d319992da703ee6" providerId="LiveId" clId="{F793B739-7A6E-443F-8AE5-8ED78DA3884E}" dt="2024-08-20T01:27:22.286" v="420" actId="20577"/>
+          <ac:spMkLst>
+            <pc:docMk/>
+            <pc:sldMk cId="3653377877" sldId="256"/>
+            <ac:spMk id="10" creationId="{7EDA53A3-1092-2E30-C258-714E8EBBDE5E}"/>
+          </ac:spMkLst>
+        </pc:spChg>
+        <pc:spChg chg="add mod">
+          <ac:chgData name="Ryo Suhara" userId="2d319992da703ee6" providerId="LiveId" clId="{F793B739-7A6E-443F-8AE5-8ED78DA3884E}" dt="2024-08-20T01:27:38.669" v="436" actId="1037"/>
+          <ac:spMkLst>
+            <pc:docMk/>
+            <pc:sldMk cId="3653377877" sldId="256"/>
+            <ac:spMk id="12" creationId="{F60081AF-5DBE-3E63-5C75-B8212243732D}"/>
+          </ac:spMkLst>
+        </pc:spChg>
+        <pc:spChg chg="add mod">
+          <ac:chgData name="Ryo Suhara" userId="2d319992da703ee6" providerId="LiveId" clId="{F793B739-7A6E-443F-8AE5-8ED78DA3884E}" dt="2024-08-20T01:27:47.235" v="449" actId="1035"/>
+          <ac:spMkLst>
+            <pc:docMk/>
+            <pc:sldMk cId="3653377877" sldId="256"/>
+            <ac:spMk id="14" creationId="{5E9DC5AB-0E53-BC36-57AA-2498338FF222}"/>
+          </ac:spMkLst>
+        </pc:spChg>
+        <pc:spChg chg="add mod">
+          <ac:chgData name="Ryo Suhara" userId="2d319992da703ee6" providerId="LiveId" clId="{F793B739-7A6E-443F-8AE5-8ED78DA3884E}" dt="2024-08-20T01:27:56.646" v="465" actId="1035"/>
+          <ac:spMkLst>
+            <pc:docMk/>
+            <pc:sldMk cId="3653377877" sldId="256"/>
+            <ac:spMk id="16" creationId="{D5BCD885-8508-D7F0-1FD7-6D5CE7FCCD43}"/>
+          </ac:spMkLst>
+        </pc:spChg>
         <pc:picChg chg="add del mod">
           <ac:chgData name="Ryo Suhara" userId="2d319992da703ee6" providerId="LiveId" clId="{F793B739-7A6E-443F-8AE5-8ED78DA3884E}" dt="2024-08-17T07:21:03.043" v="7" actId="21"/>
           <ac:picMkLst>
             <pc:docMk/>
             <pc:sldMk cId="3653377877" sldId="256"/>
             <ac:picMk id="3" creationId="{2BB3BBDF-3D36-6A57-3D39-EF2DDD38856F}"/>
+          </ac:picMkLst>
+        </pc:picChg>
+        <pc:picChg chg="mod">
+          <ac:chgData name="Ryo Suhara" userId="2d319992da703ee6" providerId="LiveId" clId="{F793B739-7A6E-443F-8AE5-8ED78DA3884E}" dt="2024-08-20T01:24:19.737" v="223" actId="1036"/>
+          <ac:picMkLst>
+            <pc:docMk/>
+            <pc:sldMk cId="3653377877" sldId="256"/>
+            <ac:picMk id="11" creationId="{2EBFE96B-41F7-FD97-3474-E500BA6D1448}"/>
+          </ac:picMkLst>
+        </pc:picChg>
+        <pc:picChg chg="mod">
+          <ac:chgData name="Ryo Suhara" userId="2d319992da703ee6" providerId="LiveId" clId="{F793B739-7A6E-443F-8AE5-8ED78DA3884E}" dt="2024-08-20T01:24:19.737" v="223" actId="1036"/>
+          <ac:picMkLst>
+            <pc:docMk/>
+            <pc:sldMk cId="3653377877" sldId="256"/>
+            <ac:picMk id="13" creationId="{56D1FE64-D6E6-33F6-9DC7-F6FE87C28D29}"/>
+          </ac:picMkLst>
+        </pc:picChg>
+        <pc:picChg chg="mod">
+          <ac:chgData name="Ryo Suhara" userId="2d319992da703ee6" providerId="LiveId" clId="{F793B739-7A6E-443F-8AE5-8ED78DA3884E}" dt="2024-08-20T01:24:16.130" v="220" actId="1036"/>
+          <ac:picMkLst>
+            <pc:docMk/>
+            <pc:sldMk cId="3653377877" sldId="256"/>
+            <ac:picMk id="15" creationId="{A6A99B50-40F0-DF54-8F3B-B083B38D1F25}"/>
+          </ac:picMkLst>
+        </pc:picChg>
+        <pc:picChg chg="mod">
+          <ac:chgData name="Ryo Suhara" userId="2d319992da703ee6" providerId="LiveId" clId="{F793B739-7A6E-443F-8AE5-8ED78DA3884E}" dt="2024-08-20T01:24:16.130" v="220" actId="1036"/>
+          <ac:picMkLst>
+            <pc:docMk/>
+            <pc:sldMk cId="3653377877" sldId="256"/>
+            <ac:picMk id="17" creationId="{71F3B64E-7AD8-F955-63BE-E0C725A5A465}"/>
           </ac:picMkLst>
         </pc:picChg>
         <pc:picChg chg="del">
@@ -410,7 +538,7 @@
           <a:p>
             <a:fld id="{70607EA0-9A95-4244-B0B4-D65EE0AA91B2}" type="datetimeFigureOut">
               <a:rPr kumimoji="1" lang="ja-JP" altLang="en-US" smtClean="0"/>
-              <a:t>2024/8/17</a:t>
+              <a:t>2024/8/20</a:t>
             </a:fld>
             <a:endParaRPr kumimoji="1" lang="ja-JP" altLang="en-US"/>
           </a:p>
@@ -610,7 +738,7 @@
           <a:p>
             <a:fld id="{70607EA0-9A95-4244-B0B4-D65EE0AA91B2}" type="datetimeFigureOut">
               <a:rPr kumimoji="1" lang="ja-JP" altLang="en-US" smtClean="0"/>
-              <a:t>2024/8/17</a:t>
+              <a:t>2024/8/20</a:t>
             </a:fld>
             <a:endParaRPr kumimoji="1" lang="ja-JP" altLang="en-US"/>
           </a:p>
@@ -820,7 +948,7 @@
           <a:p>
             <a:fld id="{70607EA0-9A95-4244-B0B4-D65EE0AA91B2}" type="datetimeFigureOut">
               <a:rPr kumimoji="1" lang="ja-JP" altLang="en-US" smtClean="0"/>
-              <a:t>2024/8/17</a:t>
+              <a:t>2024/8/20</a:t>
             </a:fld>
             <a:endParaRPr kumimoji="1" lang="ja-JP" altLang="en-US"/>
           </a:p>
@@ -1020,7 +1148,7 @@
           <a:p>
             <a:fld id="{70607EA0-9A95-4244-B0B4-D65EE0AA91B2}" type="datetimeFigureOut">
               <a:rPr kumimoji="1" lang="ja-JP" altLang="en-US" smtClean="0"/>
-              <a:t>2024/8/17</a:t>
+              <a:t>2024/8/20</a:t>
             </a:fld>
             <a:endParaRPr kumimoji="1" lang="ja-JP" altLang="en-US"/>
           </a:p>
@@ -1296,7 +1424,7 @@
           <a:p>
             <a:fld id="{70607EA0-9A95-4244-B0B4-D65EE0AA91B2}" type="datetimeFigureOut">
               <a:rPr kumimoji="1" lang="ja-JP" altLang="en-US" smtClean="0"/>
-              <a:t>2024/8/17</a:t>
+              <a:t>2024/8/20</a:t>
             </a:fld>
             <a:endParaRPr kumimoji="1" lang="ja-JP" altLang="en-US"/>
           </a:p>
@@ -1564,7 +1692,7 @@
           <a:p>
             <a:fld id="{70607EA0-9A95-4244-B0B4-D65EE0AA91B2}" type="datetimeFigureOut">
               <a:rPr kumimoji="1" lang="ja-JP" altLang="en-US" smtClean="0"/>
-              <a:t>2024/8/17</a:t>
+              <a:t>2024/8/20</a:t>
             </a:fld>
             <a:endParaRPr kumimoji="1" lang="ja-JP" altLang="en-US"/>
           </a:p>
@@ -1979,7 +2107,7 @@
           <a:p>
             <a:fld id="{70607EA0-9A95-4244-B0B4-D65EE0AA91B2}" type="datetimeFigureOut">
               <a:rPr kumimoji="1" lang="ja-JP" altLang="en-US" smtClean="0"/>
-              <a:t>2024/8/17</a:t>
+              <a:t>2024/8/20</a:t>
             </a:fld>
             <a:endParaRPr kumimoji="1" lang="ja-JP" altLang="en-US"/>
           </a:p>
@@ -2121,7 +2249,7 @@
           <a:p>
             <a:fld id="{70607EA0-9A95-4244-B0B4-D65EE0AA91B2}" type="datetimeFigureOut">
               <a:rPr kumimoji="1" lang="ja-JP" altLang="en-US" smtClean="0"/>
-              <a:t>2024/8/17</a:t>
+              <a:t>2024/8/20</a:t>
             </a:fld>
             <a:endParaRPr kumimoji="1" lang="ja-JP" altLang="en-US"/>
           </a:p>
@@ -2234,7 +2362,7 @@
           <a:p>
             <a:fld id="{70607EA0-9A95-4244-B0B4-D65EE0AA91B2}" type="datetimeFigureOut">
               <a:rPr kumimoji="1" lang="ja-JP" altLang="en-US" smtClean="0"/>
-              <a:t>2024/8/17</a:t>
+              <a:t>2024/8/20</a:t>
             </a:fld>
             <a:endParaRPr kumimoji="1" lang="ja-JP" altLang="en-US"/>
           </a:p>
@@ -2547,7 +2675,7 @@
           <a:p>
             <a:fld id="{70607EA0-9A95-4244-B0B4-D65EE0AA91B2}" type="datetimeFigureOut">
               <a:rPr kumimoji="1" lang="ja-JP" altLang="en-US" smtClean="0"/>
-              <a:t>2024/8/17</a:t>
+              <a:t>2024/8/20</a:t>
             </a:fld>
             <a:endParaRPr kumimoji="1" lang="ja-JP" altLang="en-US"/>
           </a:p>
@@ -2836,7 +2964,7 @@
           <a:p>
             <a:fld id="{70607EA0-9A95-4244-B0B4-D65EE0AA91B2}" type="datetimeFigureOut">
               <a:rPr kumimoji="1" lang="ja-JP" altLang="en-US" smtClean="0"/>
-              <a:t>2024/8/17</a:t>
+              <a:t>2024/8/20</a:t>
             </a:fld>
             <a:endParaRPr kumimoji="1" lang="ja-JP" altLang="en-US"/>
           </a:p>
@@ -3079,7 +3207,7 @@
           <a:p>
             <a:fld id="{70607EA0-9A95-4244-B0B4-D65EE0AA91B2}" type="datetimeFigureOut">
               <a:rPr kumimoji="1" lang="ja-JP" altLang="en-US" smtClean="0"/>
-              <a:t>2024/8/17</a:t>
+              <a:t>2024/8/20</a:t>
             </a:fld>
             <a:endParaRPr kumimoji="1" lang="ja-JP" altLang="en-US"/>
           </a:p>
@@ -3518,7 +3646,7 @@
         </p:blipFill>
         <p:spPr>
           <a:xfrm>
-            <a:off x="981075" y="0"/>
+            <a:off x="340996" y="116382"/>
             <a:ext cx="3297011" cy="3292233"/>
           </a:xfrm>
           <a:prstGeom prst="rect">
@@ -3548,7 +3676,7 @@
         </p:blipFill>
         <p:spPr>
           <a:xfrm>
-            <a:off x="4410069" y="1"/>
+            <a:off x="3769990" y="116383"/>
             <a:ext cx="3297010" cy="3292232"/>
           </a:xfrm>
           <a:prstGeom prst="rect">
@@ -3578,7 +3706,7 @@
         </p:blipFill>
         <p:spPr>
           <a:xfrm>
-            <a:off x="981075" y="3385456"/>
+            <a:off x="340996" y="3518464"/>
             <a:ext cx="3297011" cy="3292233"/>
           </a:xfrm>
           <a:prstGeom prst="rect">
@@ -3608,7 +3736,7 @@
         </p:blipFill>
         <p:spPr>
           <a:xfrm>
-            <a:off x="4410069" y="3385456"/>
+            <a:off x="3769990" y="3518464"/>
             <a:ext cx="3297010" cy="3292232"/>
           </a:xfrm>
           <a:prstGeom prst="rect">
@@ -3616,6 +3744,574 @@
           </a:prstGeom>
         </p:spPr>
       </p:pic>
+      <p:sp>
+        <p:nvSpPr>
+          <p:cNvPr id="2" name="TextBox 1">
+            <a:extLst>
+              <a:ext uri="{FF2B5EF4-FFF2-40B4-BE49-F238E27FC236}">
+                <a16:creationId xmlns:a16="http://schemas.microsoft.com/office/drawing/2014/main" id="{669318C1-3390-880E-213E-F8418253F5B1}"/>
+              </a:ext>
+            </a:extLst>
+          </p:cNvPr>
+          <p:cNvSpPr txBox="1"/>
+          <p:nvPr/>
+        </p:nvSpPr>
+        <p:spPr>
+          <a:xfrm>
+            <a:off x="662388" y="66504"/>
+            <a:ext cx="2920398" cy="184666"/>
+          </a:xfrm>
+          <a:prstGeom prst="rect">
+            <a:avLst/>
+          </a:prstGeom>
+          <a:solidFill>
+            <a:schemeClr val="bg1"/>
+          </a:solidFill>
+        </p:spPr>
+        <p:txBody>
+          <a:bodyPr wrap="square" rtlCol="0">
+            <a:spAutoFit/>
+          </a:bodyPr>
+          <a:lstStyle/>
+          <a:p>
+            <a:pPr algn="ctr"/>
+            <a:r>
+              <a:rPr kumimoji="1" lang="en-US" altLang="ja-JP" sz="600" dirty="0">
+                <a:latin typeface="Arial" panose="020B0604020202020204" pitchFamily="34" charset="0"/>
+                <a:ea typeface="Calibri" panose="020F0502020204030204" pitchFamily="34" charset="0"/>
+                <a:cs typeface="Arial" panose="020B0604020202020204" pitchFamily="34" charset="0"/>
+              </a:rPr>
+              <a:t>OP Perceived Personalization vs Personality and Ad Preference Match</a:t>
+            </a:r>
+            <a:endParaRPr kumimoji="1" lang="ja-JP" altLang="en-US" sz="600" dirty="0">
+              <a:latin typeface="Arial" panose="020B0604020202020204" pitchFamily="34" charset="0"/>
+              <a:cs typeface="Arial" panose="020B0604020202020204" pitchFamily="34" charset="0"/>
+            </a:endParaRPr>
+          </a:p>
+        </p:txBody>
+      </p:sp>
+      <p:sp>
+        <p:nvSpPr>
+          <p:cNvPr id="3" name="TextBox 2">
+            <a:extLst>
+              <a:ext uri="{FF2B5EF4-FFF2-40B4-BE49-F238E27FC236}">
+                <a16:creationId xmlns:a16="http://schemas.microsoft.com/office/drawing/2014/main" id="{8CD5DADE-9D65-E3CE-72D0-7B9E748C65FC}"/>
+              </a:ext>
+            </a:extLst>
+          </p:cNvPr>
+          <p:cNvSpPr txBox="1"/>
+          <p:nvPr/>
+        </p:nvSpPr>
+        <p:spPr>
+          <a:xfrm>
+            <a:off x="4081690" y="66503"/>
+            <a:ext cx="2920398" cy="184666"/>
+          </a:xfrm>
+          <a:prstGeom prst="rect">
+            <a:avLst/>
+          </a:prstGeom>
+          <a:solidFill>
+            <a:schemeClr val="bg1"/>
+          </a:solidFill>
+        </p:spPr>
+        <p:txBody>
+          <a:bodyPr wrap="square" rtlCol="0">
+            <a:spAutoFit/>
+          </a:bodyPr>
+          <a:lstStyle/>
+          <a:p>
+            <a:pPr algn="ctr"/>
+            <a:r>
+              <a:rPr lang="en-US" altLang="ja-JP" sz="600" dirty="0">
+                <a:latin typeface="Arial" panose="020B0604020202020204" pitchFamily="34" charset="0"/>
+                <a:ea typeface="Calibri" panose="020F0502020204030204" pitchFamily="34" charset="0"/>
+                <a:cs typeface="Arial" panose="020B0604020202020204" pitchFamily="34" charset="0"/>
+              </a:rPr>
+              <a:t>CO</a:t>
+            </a:r>
+            <a:r>
+              <a:rPr kumimoji="1" lang="en-US" altLang="ja-JP" sz="600" dirty="0">
+                <a:latin typeface="Arial" panose="020B0604020202020204" pitchFamily="34" charset="0"/>
+                <a:ea typeface="Calibri" panose="020F0502020204030204" pitchFamily="34" charset="0"/>
+                <a:cs typeface="Arial" panose="020B0604020202020204" pitchFamily="34" charset="0"/>
+              </a:rPr>
+              <a:t> Perceived Personalization vs Personality and Ad Preference Match</a:t>
+            </a:r>
+            <a:endParaRPr kumimoji="1" lang="ja-JP" altLang="en-US" sz="600" dirty="0">
+              <a:latin typeface="Arial" panose="020B0604020202020204" pitchFamily="34" charset="0"/>
+              <a:cs typeface="Arial" panose="020B0604020202020204" pitchFamily="34" charset="0"/>
+            </a:endParaRPr>
+          </a:p>
+        </p:txBody>
+      </p:sp>
+      <p:sp>
+        <p:nvSpPr>
+          <p:cNvPr id="4" name="TextBox 3">
+            <a:extLst>
+              <a:ext uri="{FF2B5EF4-FFF2-40B4-BE49-F238E27FC236}">
+                <a16:creationId xmlns:a16="http://schemas.microsoft.com/office/drawing/2014/main" id="{4F7A4C22-1CC9-AB75-AC2F-5D82583339FF}"/>
+              </a:ext>
+            </a:extLst>
+          </p:cNvPr>
+          <p:cNvSpPr txBox="1"/>
+          <p:nvPr/>
+        </p:nvSpPr>
+        <p:spPr>
+          <a:xfrm>
+            <a:off x="4090003" y="3464780"/>
+            <a:ext cx="2920398" cy="184666"/>
+          </a:xfrm>
+          <a:prstGeom prst="rect">
+            <a:avLst/>
+          </a:prstGeom>
+          <a:solidFill>
+            <a:schemeClr val="bg1"/>
+          </a:solidFill>
+        </p:spPr>
+        <p:txBody>
+          <a:bodyPr wrap="square" rtlCol="0">
+            <a:spAutoFit/>
+          </a:bodyPr>
+          <a:lstStyle/>
+          <a:p>
+            <a:pPr algn="ctr"/>
+            <a:r>
+              <a:rPr kumimoji="1" lang="en-US" altLang="ja-JP" sz="600" dirty="0">
+                <a:latin typeface="Arial" panose="020B0604020202020204" pitchFamily="34" charset="0"/>
+                <a:ea typeface="Calibri" panose="020F0502020204030204" pitchFamily="34" charset="0"/>
+                <a:cs typeface="Arial" panose="020B0604020202020204" pitchFamily="34" charset="0"/>
+              </a:rPr>
+              <a:t>AG Perceived Personalization vs Personality and Ad Preference Match</a:t>
+            </a:r>
+            <a:endParaRPr kumimoji="1" lang="ja-JP" altLang="en-US" sz="600" dirty="0">
+              <a:latin typeface="Arial" panose="020B0604020202020204" pitchFamily="34" charset="0"/>
+              <a:cs typeface="Arial" panose="020B0604020202020204" pitchFamily="34" charset="0"/>
+            </a:endParaRPr>
+          </a:p>
+        </p:txBody>
+      </p:sp>
+      <p:sp>
+        <p:nvSpPr>
+          <p:cNvPr id="5" name="TextBox 4">
+            <a:extLst>
+              <a:ext uri="{FF2B5EF4-FFF2-40B4-BE49-F238E27FC236}">
+                <a16:creationId xmlns:a16="http://schemas.microsoft.com/office/drawing/2014/main" id="{E1A8B666-8D1E-B9EC-2EB8-EA2F58142AB7}"/>
+              </a:ext>
+            </a:extLst>
+          </p:cNvPr>
+          <p:cNvSpPr txBox="1"/>
+          <p:nvPr/>
+        </p:nvSpPr>
+        <p:spPr>
+          <a:xfrm>
+            <a:off x="662388" y="3462252"/>
+            <a:ext cx="2920398" cy="184666"/>
+          </a:xfrm>
+          <a:prstGeom prst="rect">
+            <a:avLst/>
+          </a:prstGeom>
+          <a:solidFill>
+            <a:schemeClr val="bg1"/>
+          </a:solidFill>
+        </p:spPr>
+        <p:txBody>
+          <a:bodyPr wrap="square" rtlCol="0">
+            <a:spAutoFit/>
+          </a:bodyPr>
+          <a:lstStyle/>
+          <a:p>
+            <a:pPr algn="ctr"/>
+            <a:r>
+              <a:rPr lang="en-US" altLang="ja-JP" sz="600" dirty="0">
+                <a:latin typeface="Arial" panose="020B0604020202020204" pitchFamily="34" charset="0"/>
+                <a:ea typeface="Calibri" panose="020F0502020204030204" pitchFamily="34" charset="0"/>
+                <a:cs typeface="Arial" panose="020B0604020202020204" pitchFamily="34" charset="0"/>
+              </a:rPr>
+              <a:t>EX</a:t>
+            </a:r>
+            <a:r>
+              <a:rPr kumimoji="1" lang="en-US" altLang="ja-JP" sz="600" dirty="0">
+                <a:latin typeface="Arial" panose="020B0604020202020204" pitchFamily="34" charset="0"/>
+                <a:ea typeface="Calibri" panose="020F0502020204030204" pitchFamily="34" charset="0"/>
+                <a:cs typeface="Arial" panose="020B0604020202020204" pitchFamily="34" charset="0"/>
+              </a:rPr>
+              <a:t> Perceived Personalization vs Personality and Ad Preference Match</a:t>
+            </a:r>
+            <a:endParaRPr kumimoji="1" lang="ja-JP" altLang="en-US" sz="600" dirty="0">
+              <a:latin typeface="Arial" panose="020B0604020202020204" pitchFamily="34" charset="0"/>
+              <a:cs typeface="Arial" panose="020B0604020202020204" pitchFamily="34" charset="0"/>
+            </a:endParaRPr>
+          </a:p>
+        </p:txBody>
+      </p:sp>
+      <p:sp>
+        <p:nvSpPr>
+          <p:cNvPr id="6" name="TextBox 5">
+            <a:extLst>
+              <a:ext uri="{FF2B5EF4-FFF2-40B4-BE49-F238E27FC236}">
+                <a16:creationId xmlns:a16="http://schemas.microsoft.com/office/drawing/2014/main" id="{1C6E8959-81D6-494D-75DE-F78FA73014ED}"/>
+              </a:ext>
+            </a:extLst>
+          </p:cNvPr>
+          <p:cNvSpPr txBox="1"/>
+          <p:nvPr/>
+        </p:nvSpPr>
+        <p:spPr>
+          <a:xfrm rot="16200000">
+            <a:off x="-1035183" y="1625492"/>
+            <a:ext cx="2920398" cy="169277"/>
+          </a:xfrm>
+          <a:prstGeom prst="rect">
+            <a:avLst/>
+          </a:prstGeom>
+          <a:solidFill>
+            <a:schemeClr val="bg1"/>
+          </a:solidFill>
+        </p:spPr>
+        <p:txBody>
+          <a:bodyPr wrap="square" rtlCol="0">
+            <a:spAutoFit/>
+          </a:bodyPr>
+          <a:lstStyle/>
+          <a:p>
+            <a:pPr algn="ctr"/>
+            <a:r>
+              <a:rPr kumimoji="1" lang="en-US" altLang="ja-JP" sz="500" dirty="0">
+                <a:latin typeface="Arial" panose="020B0604020202020204" pitchFamily="34" charset="0"/>
+                <a:ea typeface="Calibri" panose="020F0502020204030204" pitchFamily="34" charset="0"/>
+                <a:cs typeface="Arial" panose="020B0604020202020204" pitchFamily="34" charset="0"/>
+              </a:rPr>
+              <a:t>Perceived Personalization Score (zero-centered)</a:t>
+            </a:r>
+            <a:endParaRPr kumimoji="1" lang="ja-JP" altLang="en-US" sz="500" dirty="0">
+              <a:latin typeface="Arial" panose="020B0604020202020204" pitchFamily="34" charset="0"/>
+              <a:cs typeface="Arial" panose="020B0604020202020204" pitchFamily="34" charset="0"/>
+            </a:endParaRPr>
+          </a:p>
+        </p:txBody>
+      </p:sp>
+      <p:sp>
+        <p:nvSpPr>
+          <p:cNvPr id="7" name="TextBox 6">
+            <a:extLst>
+              <a:ext uri="{FF2B5EF4-FFF2-40B4-BE49-F238E27FC236}">
+                <a16:creationId xmlns:a16="http://schemas.microsoft.com/office/drawing/2014/main" id="{C2FD741E-3519-BE72-7434-8B43A571F7FC}"/>
+              </a:ext>
+            </a:extLst>
+          </p:cNvPr>
+          <p:cNvSpPr txBox="1"/>
+          <p:nvPr/>
+        </p:nvSpPr>
+        <p:spPr>
+          <a:xfrm rot="16200000">
+            <a:off x="-1051418" y="5021242"/>
+            <a:ext cx="2920398" cy="169277"/>
+          </a:xfrm>
+          <a:prstGeom prst="rect">
+            <a:avLst/>
+          </a:prstGeom>
+          <a:solidFill>
+            <a:schemeClr val="bg1"/>
+          </a:solidFill>
+        </p:spPr>
+        <p:txBody>
+          <a:bodyPr wrap="square" rtlCol="0">
+            <a:spAutoFit/>
+          </a:bodyPr>
+          <a:lstStyle/>
+          <a:p>
+            <a:pPr algn="ctr"/>
+            <a:r>
+              <a:rPr kumimoji="1" lang="en-US" altLang="ja-JP" sz="500" dirty="0">
+                <a:latin typeface="Arial" panose="020B0604020202020204" pitchFamily="34" charset="0"/>
+                <a:ea typeface="Calibri" panose="020F0502020204030204" pitchFamily="34" charset="0"/>
+                <a:cs typeface="Arial" panose="020B0604020202020204" pitchFamily="34" charset="0"/>
+              </a:rPr>
+              <a:t>Perceived Personalization Score (zero-centered)</a:t>
+            </a:r>
+            <a:endParaRPr kumimoji="1" lang="ja-JP" altLang="en-US" sz="500" dirty="0">
+              <a:latin typeface="Arial" panose="020B0604020202020204" pitchFamily="34" charset="0"/>
+              <a:cs typeface="Arial" panose="020B0604020202020204" pitchFamily="34" charset="0"/>
+            </a:endParaRPr>
+          </a:p>
+        </p:txBody>
+      </p:sp>
+      <p:sp>
+        <p:nvSpPr>
+          <p:cNvPr id="8" name="TextBox 7">
+            <a:extLst>
+              <a:ext uri="{FF2B5EF4-FFF2-40B4-BE49-F238E27FC236}">
+                <a16:creationId xmlns:a16="http://schemas.microsoft.com/office/drawing/2014/main" id="{69491CC6-327E-DC8F-D886-2F7E8EE11868}"/>
+              </a:ext>
+            </a:extLst>
+          </p:cNvPr>
+          <p:cNvSpPr txBox="1"/>
+          <p:nvPr/>
+        </p:nvSpPr>
+        <p:spPr>
+          <a:xfrm rot="16200000">
+            <a:off x="2346776" y="5004344"/>
+            <a:ext cx="2920398" cy="169277"/>
+          </a:xfrm>
+          <a:prstGeom prst="rect">
+            <a:avLst/>
+          </a:prstGeom>
+          <a:solidFill>
+            <a:schemeClr val="bg1"/>
+          </a:solidFill>
+        </p:spPr>
+        <p:txBody>
+          <a:bodyPr wrap="square" rtlCol="0">
+            <a:spAutoFit/>
+          </a:bodyPr>
+          <a:lstStyle/>
+          <a:p>
+            <a:pPr algn="ctr"/>
+            <a:r>
+              <a:rPr kumimoji="1" lang="en-US" altLang="ja-JP" sz="500" dirty="0">
+                <a:latin typeface="Arial" panose="020B0604020202020204" pitchFamily="34" charset="0"/>
+                <a:ea typeface="Calibri" panose="020F0502020204030204" pitchFamily="34" charset="0"/>
+                <a:cs typeface="Arial" panose="020B0604020202020204" pitchFamily="34" charset="0"/>
+              </a:rPr>
+              <a:t>Perceived Personalization Score (zero-centered)</a:t>
+            </a:r>
+            <a:endParaRPr kumimoji="1" lang="ja-JP" altLang="en-US" sz="500" dirty="0">
+              <a:latin typeface="Arial" panose="020B0604020202020204" pitchFamily="34" charset="0"/>
+              <a:cs typeface="Arial" panose="020B0604020202020204" pitchFamily="34" charset="0"/>
+            </a:endParaRPr>
+          </a:p>
+        </p:txBody>
+      </p:sp>
+      <p:sp>
+        <p:nvSpPr>
+          <p:cNvPr id="9" name="TextBox 8">
+            <a:extLst>
+              <a:ext uri="{FF2B5EF4-FFF2-40B4-BE49-F238E27FC236}">
+                <a16:creationId xmlns:a16="http://schemas.microsoft.com/office/drawing/2014/main" id="{FC339DBA-96F1-3241-8A85-F374F7AF2C66}"/>
+              </a:ext>
+            </a:extLst>
+          </p:cNvPr>
+          <p:cNvSpPr txBox="1"/>
+          <p:nvPr/>
+        </p:nvSpPr>
+        <p:spPr>
+          <a:xfrm rot="16200000">
+            <a:off x="2346777" y="1636757"/>
+            <a:ext cx="2920398" cy="169277"/>
+          </a:xfrm>
+          <a:prstGeom prst="rect">
+            <a:avLst/>
+          </a:prstGeom>
+          <a:solidFill>
+            <a:schemeClr val="bg1"/>
+          </a:solidFill>
+        </p:spPr>
+        <p:txBody>
+          <a:bodyPr wrap="square" rtlCol="0">
+            <a:spAutoFit/>
+          </a:bodyPr>
+          <a:lstStyle/>
+          <a:p>
+            <a:pPr algn="ctr"/>
+            <a:r>
+              <a:rPr kumimoji="1" lang="en-US" altLang="ja-JP" sz="500" dirty="0">
+                <a:latin typeface="Arial" panose="020B0604020202020204" pitchFamily="34" charset="0"/>
+                <a:ea typeface="Calibri" panose="020F0502020204030204" pitchFamily="34" charset="0"/>
+                <a:cs typeface="Arial" panose="020B0604020202020204" pitchFamily="34" charset="0"/>
+              </a:rPr>
+              <a:t>Perceived Personalization Score (zero-centered)</a:t>
+            </a:r>
+            <a:endParaRPr kumimoji="1" lang="ja-JP" altLang="en-US" sz="500" dirty="0">
+              <a:latin typeface="Arial" panose="020B0604020202020204" pitchFamily="34" charset="0"/>
+              <a:cs typeface="Arial" panose="020B0604020202020204" pitchFamily="34" charset="0"/>
+            </a:endParaRPr>
+          </a:p>
+        </p:txBody>
+      </p:sp>
+      <p:sp>
+        <p:nvSpPr>
+          <p:cNvPr id="10" name="TextBox 9">
+            <a:extLst>
+              <a:ext uri="{FF2B5EF4-FFF2-40B4-BE49-F238E27FC236}">
+                <a16:creationId xmlns:a16="http://schemas.microsoft.com/office/drawing/2014/main" id="{7EDA53A3-1092-2E30-C258-714E8EBBDE5E}"/>
+              </a:ext>
+            </a:extLst>
+          </p:cNvPr>
+          <p:cNvSpPr txBox="1"/>
+          <p:nvPr/>
+        </p:nvSpPr>
+        <p:spPr>
+          <a:xfrm>
+            <a:off x="681273" y="3268036"/>
+            <a:ext cx="2920398" cy="169277"/>
+          </a:xfrm>
+          <a:prstGeom prst="rect">
+            <a:avLst/>
+          </a:prstGeom>
+          <a:solidFill>
+            <a:schemeClr val="bg1"/>
+          </a:solidFill>
+        </p:spPr>
+        <p:txBody>
+          <a:bodyPr wrap="square" rtlCol="0">
+            <a:spAutoFit/>
+          </a:bodyPr>
+          <a:lstStyle/>
+          <a:p>
+            <a:pPr algn="ctr"/>
+            <a:r>
+              <a:rPr kumimoji="1" lang="en-US" altLang="ja-JP" sz="500" dirty="0">
+                <a:latin typeface="Arial" panose="020B0604020202020204" pitchFamily="34" charset="0"/>
+                <a:ea typeface="Calibri" panose="020F0502020204030204" pitchFamily="34" charset="0"/>
+                <a:cs typeface="Arial" panose="020B0604020202020204" pitchFamily="34" charset="0"/>
+              </a:rPr>
+              <a:t>Personality and Ad Preference Match Score (zero-centered)</a:t>
+            </a:r>
+            <a:endParaRPr kumimoji="1" lang="ja-JP" altLang="en-US" sz="500" dirty="0">
+              <a:latin typeface="Arial" panose="020B0604020202020204" pitchFamily="34" charset="0"/>
+              <a:cs typeface="Arial" panose="020B0604020202020204" pitchFamily="34" charset="0"/>
+            </a:endParaRPr>
+          </a:p>
+        </p:txBody>
+      </p:sp>
+      <p:sp>
+        <p:nvSpPr>
+          <p:cNvPr id="12" name="TextBox 11">
+            <a:extLst>
+              <a:ext uri="{FF2B5EF4-FFF2-40B4-BE49-F238E27FC236}">
+                <a16:creationId xmlns:a16="http://schemas.microsoft.com/office/drawing/2014/main" id="{F60081AF-5DBE-3E63-5C75-B8212243732D}"/>
+              </a:ext>
+            </a:extLst>
+          </p:cNvPr>
+          <p:cNvSpPr txBox="1"/>
+          <p:nvPr/>
+        </p:nvSpPr>
+        <p:spPr>
+          <a:xfrm>
+            <a:off x="4102976" y="3268036"/>
+            <a:ext cx="2920398" cy="169277"/>
+          </a:xfrm>
+          <a:prstGeom prst="rect">
+            <a:avLst/>
+          </a:prstGeom>
+          <a:solidFill>
+            <a:schemeClr val="bg1"/>
+          </a:solidFill>
+        </p:spPr>
+        <p:txBody>
+          <a:bodyPr wrap="square" rtlCol="0">
+            <a:spAutoFit/>
+          </a:bodyPr>
+          <a:lstStyle/>
+          <a:p>
+            <a:pPr algn="ctr"/>
+            <a:r>
+              <a:rPr kumimoji="1" lang="en-US" altLang="ja-JP" sz="500" dirty="0">
+                <a:latin typeface="Arial" panose="020B0604020202020204" pitchFamily="34" charset="0"/>
+                <a:ea typeface="Calibri" panose="020F0502020204030204" pitchFamily="34" charset="0"/>
+                <a:cs typeface="Arial" panose="020B0604020202020204" pitchFamily="34" charset="0"/>
+              </a:rPr>
+              <a:t>Personality and Ad Preference Match Score (zero-centered)</a:t>
+            </a:r>
+            <a:endParaRPr kumimoji="1" lang="ja-JP" altLang="en-US" sz="500" dirty="0">
+              <a:latin typeface="Arial" panose="020B0604020202020204" pitchFamily="34" charset="0"/>
+              <a:cs typeface="Arial" panose="020B0604020202020204" pitchFamily="34" charset="0"/>
+            </a:endParaRPr>
+          </a:p>
+        </p:txBody>
+      </p:sp>
+      <p:sp>
+        <p:nvSpPr>
+          <p:cNvPr id="14" name="TextBox 13">
+            <a:extLst>
+              <a:ext uri="{FF2B5EF4-FFF2-40B4-BE49-F238E27FC236}">
+                <a16:creationId xmlns:a16="http://schemas.microsoft.com/office/drawing/2014/main" id="{5E9DC5AB-0E53-BC36-57AA-2498338FF222}"/>
+              </a:ext>
+            </a:extLst>
+          </p:cNvPr>
+          <p:cNvSpPr txBox="1"/>
+          <p:nvPr/>
+        </p:nvSpPr>
+        <p:spPr>
+          <a:xfrm>
+            <a:off x="4097437" y="6678477"/>
+            <a:ext cx="2920398" cy="169277"/>
+          </a:xfrm>
+          <a:prstGeom prst="rect">
+            <a:avLst/>
+          </a:prstGeom>
+          <a:solidFill>
+            <a:schemeClr val="bg1"/>
+          </a:solidFill>
+        </p:spPr>
+        <p:txBody>
+          <a:bodyPr wrap="square" rtlCol="0">
+            <a:spAutoFit/>
+          </a:bodyPr>
+          <a:lstStyle/>
+          <a:p>
+            <a:pPr algn="ctr"/>
+            <a:r>
+              <a:rPr kumimoji="1" lang="en-US" altLang="ja-JP" sz="500" dirty="0">
+                <a:latin typeface="Arial" panose="020B0604020202020204" pitchFamily="34" charset="0"/>
+                <a:ea typeface="Calibri" panose="020F0502020204030204" pitchFamily="34" charset="0"/>
+                <a:cs typeface="Arial" panose="020B0604020202020204" pitchFamily="34" charset="0"/>
+              </a:rPr>
+              <a:t>Personality and Ad Preference Match Score (zero-centered)</a:t>
+            </a:r>
+            <a:endParaRPr kumimoji="1" lang="ja-JP" altLang="en-US" sz="500" dirty="0">
+              <a:latin typeface="Arial" panose="020B0604020202020204" pitchFamily="34" charset="0"/>
+              <a:cs typeface="Arial" panose="020B0604020202020204" pitchFamily="34" charset="0"/>
+            </a:endParaRPr>
+          </a:p>
+        </p:txBody>
+      </p:sp>
+      <p:sp>
+        <p:nvSpPr>
+          <p:cNvPr id="16" name="TextBox 15">
+            <a:extLst>
+              <a:ext uri="{FF2B5EF4-FFF2-40B4-BE49-F238E27FC236}">
+                <a16:creationId xmlns:a16="http://schemas.microsoft.com/office/drawing/2014/main" id="{D5BCD885-8508-D7F0-1FD7-6D5CE7FCCD43}"/>
+              </a:ext>
+            </a:extLst>
+          </p:cNvPr>
+          <p:cNvSpPr txBox="1"/>
+          <p:nvPr/>
+        </p:nvSpPr>
+        <p:spPr>
+          <a:xfrm>
+            <a:off x="692938" y="6673605"/>
+            <a:ext cx="2920398" cy="169277"/>
+          </a:xfrm>
+          <a:prstGeom prst="rect">
+            <a:avLst/>
+          </a:prstGeom>
+          <a:solidFill>
+            <a:schemeClr val="bg1"/>
+          </a:solidFill>
+        </p:spPr>
+        <p:txBody>
+          <a:bodyPr wrap="square" rtlCol="0">
+            <a:spAutoFit/>
+          </a:bodyPr>
+          <a:lstStyle/>
+          <a:p>
+            <a:pPr algn="ctr"/>
+            <a:r>
+              <a:rPr kumimoji="1" lang="en-US" altLang="ja-JP" sz="500" dirty="0">
+                <a:latin typeface="Arial" panose="020B0604020202020204" pitchFamily="34" charset="0"/>
+                <a:ea typeface="Calibri" panose="020F0502020204030204" pitchFamily="34" charset="0"/>
+                <a:cs typeface="Arial" panose="020B0604020202020204" pitchFamily="34" charset="0"/>
+              </a:rPr>
+              <a:t>Personality and Ad Preference Match Score (zero-centered)</a:t>
+            </a:r>
+            <a:endParaRPr kumimoji="1" lang="ja-JP" altLang="en-US" sz="500" dirty="0">
+              <a:latin typeface="Arial" panose="020B0604020202020204" pitchFamily="34" charset="0"/>
+              <a:cs typeface="Arial" panose="020B0604020202020204" pitchFamily="34" charset="0"/>
+            </a:endParaRPr>
+          </a:p>
+        </p:txBody>
+      </p:sp>
     </p:spTree>
     <p:extLst>
       <p:ext uri="{BB962C8B-B14F-4D97-AF65-F5344CB8AC3E}">
